--- a/1. Magisterij/Fizika mehke snovi/Raztezost gume in Mooney Rivlilov model.pptx
+++ b/1. Magisterij/Fizika mehke snovi/Raztezost gume in Mooney Rivlilov model.pptx
@@ -22,6 +22,8 @@
     <p:sldId id="270" r:id="rId16"/>
     <p:sldId id="271" r:id="rId17"/>
     <p:sldId id="273" r:id="rId18"/>
+    <p:sldId id="274" r:id="rId19"/>
+    <p:sldId id="275" r:id="rId20"/>
   </p:sldIdLst>
   <p:sldSz cx="12192000" cy="6858000"/>
   <p:notesSz cx="6858000" cy="9144000"/>
@@ -459,7 +461,7 @@
           <a:p>
             <a:fld id="{83284890-85D2-4D7B-8EF5-15A9C1DB8F42}" type="datetimeFigureOut">
               <a:rPr lang="en-US" smtClean="0"/>
-              <a:t>1/3/2022</a:t>
+              <a:t>1/12/2022</a:t>
             </a:fld>
             <a:endParaRPr lang="en-US" dirty="0"/>
           </a:p>
@@ -784,7 +786,7 @@
           <a:p>
             <a:fld id="{8664C608-40B1-4030-A28D-5B74BC98ADCE}" type="datetimeFigureOut">
               <a:rPr lang="en-US" smtClean="0"/>
-              <a:t>1/3/2022</a:t>
+              <a:t>1/12/2022</a:t>
             </a:fld>
             <a:endParaRPr lang="en-US" dirty="0"/>
           </a:p>
@@ -1034,7 +1036,7 @@
           <a:p>
             <a:fld id="{8664C608-40B1-4030-A28D-5B74BC98ADCE}" type="datetimeFigureOut">
               <a:rPr lang="en-US" smtClean="0"/>
-              <a:t>1/3/2022</a:t>
+              <a:t>1/12/2022</a:t>
             </a:fld>
             <a:endParaRPr lang="en-US" dirty="0"/>
           </a:p>
@@ -1375,7 +1377,7 @@
           <a:p>
             <a:fld id="{8664C608-40B1-4030-A28D-5B74BC98ADCE}" type="datetimeFigureOut">
               <a:rPr lang="en-US" smtClean="0"/>
-              <a:t>1/3/2022</a:t>
+              <a:t>1/12/2022</a:t>
             </a:fld>
             <a:endParaRPr lang="en-US" dirty="0"/>
           </a:p>
@@ -1724,7 +1726,7 @@
           <a:p>
             <a:fld id="{8664C608-40B1-4030-A28D-5B74BC98ADCE}" type="datetimeFigureOut">
               <a:rPr lang="en-US" smtClean="0"/>
-              <a:t>1/3/2022</a:t>
+              <a:t>1/12/2022</a:t>
             </a:fld>
             <a:endParaRPr lang="en-US" dirty="0"/>
           </a:p>
@@ -2100,7 +2102,7 @@
           <a:p>
             <a:fld id="{8664C608-40B1-4030-A28D-5B74BC98ADCE}" type="datetimeFigureOut">
               <a:rPr lang="en-US" smtClean="0"/>
-              <a:t>1/3/2022</a:t>
+              <a:t>1/12/2022</a:t>
             </a:fld>
             <a:endParaRPr lang="en-US" dirty="0"/>
           </a:p>
@@ -2572,7 +2574,7 @@
           <a:p>
             <a:fld id="{8664C608-40B1-4030-A28D-5B74BC98ADCE}" type="datetimeFigureOut">
               <a:rPr lang="en-US" smtClean="0"/>
-              <a:t>1/3/2022</a:t>
+              <a:t>1/12/2022</a:t>
             </a:fld>
             <a:endParaRPr lang="en-US" dirty="0"/>
           </a:p>
@@ -2779,7 +2781,7 @@
           <a:p>
             <a:fld id="{87157CC2-0FC8-4686-B024-99790E0F5162}" type="datetimeFigureOut">
               <a:rPr lang="en-US" smtClean="0"/>
-              <a:t>1/3/2022</a:t>
+              <a:t>1/12/2022</a:t>
             </a:fld>
             <a:endParaRPr lang="en-US" dirty="0"/>
           </a:p>
@@ -2990,7 +2992,7 @@
           <a:p>
             <a:fld id="{F6764DA5-CD3D-4590-A511-FCD3BC7A793E}" type="datetimeFigureOut">
               <a:rPr lang="en-US" smtClean="0"/>
-              <a:t>1/3/2022</a:t>
+              <a:t>1/12/2022</a:t>
             </a:fld>
             <a:endParaRPr lang="en-US" dirty="0"/>
           </a:p>
@@ -3222,7 +3224,7 @@
           <a:p>
             <a:fld id="{82F5661D-6934-4B32-B92C-470368BF1EC6}" type="datetimeFigureOut">
               <a:rPr lang="en-US" smtClean="0"/>
-              <a:t>1/3/2022</a:t>
+              <a:t>1/12/2022</a:t>
             </a:fld>
             <a:endParaRPr lang="en-US" dirty="0"/>
           </a:p>
@@ -3470,7 +3472,7 @@
           <a:p>
             <a:fld id="{C6F822A4-8DA6-4447-9B1F-C5DB58435268}" type="datetimeFigureOut">
               <a:rPr lang="en-US" smtClean="0"/>
-              <a:t>1/3/2022</a:t>
+              <a:t>1/12/2022</a:t>
             </a:fld>
             <a:endParaRPr lang="en-US" dirty="0"/>
           </a:p>
@@ -3769,7 +3771,7 @@
           <a:p>
             <a:fld id="{E548D31E-DCDA-41A7-9C67-C4B11B94D21D}" type="datetimeFigureOut">
               <a:rPr lang="en-US" smtClean="0"/>
-              <a:t>1/3/2022</a:t>
+              <a:t>1/12/2022</a:t>
             </a:fld>
             <a:endParaRPr lang="en-US" dirty="0"/>
           </a:p>
@@ -4163,7 +4165,7 @@
           <a:p>
             <a:fld id="{9B3762C0-B258-48F1-ADE6-176B4174CCDD}" type="datetimeFigureOut">
               <a:rPr lang="en-US" smtClean="0"/>
-              <a:t>1/3/2022</a:t>
+              <a:t>1/12/2022</a:t>
             </a:fld>
             <a:endParaRPr lang="en-US" dirty="0"/>
           </a:p>
@@ -4312,7 +4314,7 @@
           <a:p>
             <a:fld id="{677919A6-33EB-49BD-A62F-1FA56B9F9712}" type="datetimeFigureOut">
               <a:rPr lang="en-US" smtClean="0"/>
-              <a:t>1/3/2022</a:t>
+              <a:t>1/12/2022</a:t>
             </a:fld>
             <a:endParaRPr lang="en-US" dirty="0"/>
           </a:p>
@@ -4438,7 +4440,7 @@
           <a:p>
             <a:fld id="{CA4E7D1B-D673-4CF6-8672-009D42ABD2A0}" type="datetimeFigureOut">
               <a:rPr lang="en-US" smtClean="0"/>
-              <a:t>1/3/2022</a:t>
+              <a:t>1/12/2022</a:t>
             </a:fld>
             <a:endParaRPr lang="en-US" dirty="0"/>
           </a:p>
@@ -4693,7 +4695,7 @@
           <a:p>
             <a:fld id="{8664C608-40B1-4030-A28D-5B74BC98ADCE}" type="datetimeFigureOut">
               <a:rPr lang="en-US" smtClean="0"/>
-              <a:t>1/3/2022</a:t>
+              <a:t>1/12/2022</a:t>
             </a:fld>
             <a:endParaRPr lang="en-US" dirty="0"/>
           </a:p>
@@ -5010,7 +5012,7 @@
           <a:p>
             <a:fld id="{3772C379-9A7C-4C87-A116-CBE9F58B04C5}" type="datetimeFigureOut">
               <a:rPr lang="en-US" smtClean="0"/>
-              <a:t>1/3/2022</a:t>
+              <a:t>1/12/2022</a:t>
             </a:fld>
             <a:endParaRPr lang="en-US" dirty="0"/>
           </a:p>
@@ -5361,7 +5363,7 @@
           <a:p>
             <a:fld id="{8664C608-40B1-4030-A28D-5B74BC98ADCE}" type="datetimeFigureOut">
               <a:rPr lang="en-US" smtClean="0"/>
-              <a:t>1/3/2022</a:t>
+              <a:t>1/12/2022</a:t>
             </a:fld>
             <a:endParaRPr lang="en-US" dirty="0"/>
           </a:p>
@@ -6001,6 +6003,13 @@
   <p:clrMapOvr>
     <a:masterClrMapping/>
   </p:clrMapOvr>
+  <p:timing>
+    <p:tnLst>
+      <p:par>
+        <p:cTn id="1" dur="indefinite" restart="never" nodeType="tmRoot"/>
+      </p:par>
+    </p:tnLst>
+  </p:timing>
 </p:sld>
 </file>
 
@@ -6038,11 +6047,7 @@
           <a:p>
             <a:r>
               <a:rPr lang="sl-SI" dirty="0" err="1" smtClean="0"/>
-              <a:t>Moone</a:t>
-            </a:r>
-            <a:r>
-              <a:rPr lang="sl-SI" dirty="0" err="1" smtClean="0"/>
-              <a:t>y-Rivlin</a:t>
+              <a:t>Mooney-Rivlin</a:t>
             </a:r>
             <a:r>
               <a:rPr lang="sl-SI" dirty="0" smtClean="0"/>
@@ -6069,11 +6074,7 @@
           <a:p>
             <a:r>
               <a:rPr lang="sl-SI" dirty="0" smtClean="0"/>
-              <a:t>Za opis deformacij uporabljamo modele</a:t>
-            </a:r>
-            <a:r>
-              <a:rPr lang="sl-SI" dirty="0" smtClean="0"/>
-              <a:t>, ki temeljijo na </a:t>
+              <a:t>Za opis deformacij uporabljamo modele, ki temeljijo na </a:t>
             </a:r>
             <a:r>
               <a:rPr lang="sl-SI" dirty="0" err="1" smtClean="0"/>
@@ -6241,7 +6242,6 @@
               <a:rPr lang="sl-SI" dirty="0"/>
               <a:t> Model</a:t>
             </a:r>
-            <a:endParaRPr lang="sl-SI" dirty="0"/>
           </a:p>
         </p:txBody>
       </p:sp>
@@ -6475,7 +6475,6 @@
               <a:rPr lang="sl-SI" dirty="0"/>
               <a:t> Model</a:t>
             </a:r>
-            <a:endParaRPr lang="sl-SI" dirty="0"/>
           </a:p>
         </p:txBody>
       </p:sp>
@@ -6737,7 +6736,6 @@
               <a:rPr lang="sl-SI" dirty="0"/>
               <a:t> Model</a:t>
             </a:r>
-            <a:endParaRPr lang="sl-SI" dirty="0"/>
           </a:p>
         </p:txBody>
       </p:sp>
@@ -6868,7 +6866,6 @@
               <a:rPr lang="sl-SI" dirty="0"/>
               <a:t> Model</a:t>
             </a:r>
-            <a:endParaRPr lang="sl-SI" dirty="0"/>
           </a:p>
         </p:txBody>
       </p:sp>
@@ -6969,7 +6966,6 @@
               <a:rPr lang="sl-SI" dirty="0"/>
               <a:t> Model</a:t>
             </a:r>
-            <a:endParaRPr lang="sl-SI" dirty="0"/>
           </a:p>
         </p:txBody>
       </p:sp>
@@ -7106,7 +7102,6 @@
               <a:rPr lang="sl-SI" dirty="0"/>
               <a:t> Model</a:t>
             </a:r>
-            <a:endParaRPr lang="sl-SI" dirty="0"/>
           </a:p>
         </p:txBody>
       </p:sp>
@@ -7382,6 +7377,326 @@
 </p:sld>
 </file>
 
+<file path=ppt/slides/slide18.xml><?xml version="1.0" encoding="utf-8"?>
+<p:sld xmlns:a="http://schemas.openxmlformats.org/drawingml/2006/main" xmlns:r="http://schemas.openxmlformats.org/officeDocument/2006/relationships" xmlns:p="http://schemas.openxmlformats.org/presentationml/2006/main">
+  <p:cSld>
+    <p:spTree>
+      <p:nvGrpSpPr>
+        <p:cNvPr id="1" name=""/>
+        <p:cNvGrpSpPr/>
+        <p:nvPr/>
+      </p:nvGrpSpPr>
+      <p:grpSpPr>
+        <a:xfrm>
+          <a:off x="0" y="0"/>
+          <a:ext cx="0" cy="0"/>
+          <a:chOff x="0" y="0"/>
+          <a:chExt cx="0" cy="0"/>
+        </a:xfrm>
+      </p:grpSpPr>
+      <p:sp>
+        <p:nvSpPr>
+          <p:cNvPr id="2" name="Naslov 1"/>
+          <p:cNvSpPr>
+            <a:spLocks noGrp="1"/>
+          </p:cNvSpPr>
+          <p:nvPr>
+            <p:ph type="title"/>
+          </p:nvPr>
+        </p:nvSpPr>
+        <p:spPr>
+          <a:xfrm>
+            <a:off x="1295400" y="639232"/>
+            <a:ext cx="9334498" cy="778088"/>
+          </a:xfrm>
+        </p:spPr>
+        <p:txBody>
+          <a:bodyPr>
+            <a:normAutofit/>
+          </a:bodyPr>
+          <a:lstStyle/>
+          <a:p>
+            <a:pPr algn="l"/>
+            <a:r>
+              <a:rPr lang="sl-SI" dirty="0" smtClean="0"/>
+              <a:t>Drugi modeli in primerjave</a:t>
+            </a:r>
+            <a:endParaRPr lang="sl-SI" dirty="0"/>
+          </a:p>
+        </p:txBody>
+      </p:sp>
+      <p:sp>
+        <p:nvSpPr>
+          <p:cNvPr id="3" name="Označba mesta vsebine 2"/>
+          <p:cNvSpPr>
+            <a:spLocks noGrp="1"/>
+          </p:cNvSpPr>
+          <p:nvPr>
+            <p:ph idx="1"/>
+          </p:nvPr>
+        </p:nvSpPr>
+        <p:spPr>
+          <a:xfrm>
+            <a:off x="1033671" y="1417320"/>
+            <a:ext cx="9959008" cy="4458548"/>
+          </a:xfrm>
+        </p:spPr>
+        <p:txBody>
+          <a:bodyPr>
+            <a:normAutofit/>
+          </a:bodyPr>
+          <a:lstStyle/>
+          <a:p>
+            <a:r>
+              <a:rPr lang="sl-SI" b="1" dirty="0" smtClean="0"/>
+              <a:t>YEOH MODEL</a:t>
+            </a:r>
+            <a:r>
+              <a:rPr lang="sl-SI" b="1" dirty="0" smtClean="0"/>
+              <a:t>:</a:t>
+            </a:r>
+            <a:r>
+              <a:rPr lang="sl-SI" b="1" dirty="0" smtClean="0"/>
+              <a:t>	</a:t>
+            </a:r>
+            <a:r>
+              <a:rPr lang="sl-SI" dirty="0"/>
+              <a:t>V primeru, ko v </a:t>
+            </a:r>
+            <a:r>
+              <a:rPr lang="sl-SI" dirty="0" err="1" smtClean="0"/>
+              <a:t>Mooney</a:t>
+            </a:r>
+            <a:r>
+              <a:rPr lang="sl-SI" dirty="0" smtClean="0"/>
+              <a:t> </a:t>
+            </a:r>
+            <a:r>
+              <a:rPr lang="sl-SI" dirty="0" err="1" smtClean="0"/>
+              <a:t>Rivlilnovovemu</a:t>
+            </a:r>
+            <a:r>
+              <a:rPr lang="sl-SI" dirty="0" smtClean="0"/>
+              <a:t> modelu vzamemo </a:t>
+            </a:r>
+            <a:r>
+              <a:rPr lang="sl-SI" dirty="0"/>
+              <a:t>zgolj prvi koeficient in razvijemo do N = 3</a:t>
+            </a:r>
+            <a:r>
+              <a:rPr lang="sl-SI" dirty="0" smtClean="0"/>
+              <a:t>.</a:t>
+            </a:r>
+            <a:r>
+              <a:rPr lang="sl-SI" dirty="0" smtClean="0"/>
+              <a:t/>
+            </a:r>
+            <a:br>
+              <a:rPr lang="sl-SI" dirty="0" smtClean="0"/>
+            </a:br>
+            <a:r>
+              <a:rPr lang="sl-SI" dirty="0" smtClean="0"/>
+              <a:t/>
+            </a:r>
+            <a:br>
+              <a:rPr lang="sl-SI" dirty="0" smtClean="0"/>
+            </a:br>
+            <a:r>
+              <a:rPr lang="sl-SI" dirty="0" smtClean="0"/>
+              <a:t/>
+            </a:r>
+            <a:br>
+              <a:rPr lang="sl-SI" dirty="0" smtClean="0"/>
+            </a:br>
+            <a:endParaRPr lang="sl-SI" dirty="0" smtClean="0"/>
+          </a:p>
+          <a:p>
+            <a:endParaRPr lang="sl-SI" dirty="0"/>
+          </a:p>
+          <a:p>
+            <a:endParaRPr lang="sl-SI" dirty="0" smtClean="0"/>
+          </a:p>
+          <a:p>
+            <a:r>
+              <a:rPr lang="sl-SI" dirty="0"/>
+              <a:t>je sposoben napovedati tudi </a:t>
+            </a:r>
+            <a:r>
+              <a:rPr lang="sl-SI" dirty="0" smtClean="0"/>
+              <a:t>odvisnost raztezka </a:t>
+            </a:r>
+            <a:r>
+              <a:rPr lang="sl-SI" dirty="0"/>
+              <a:t>od deformacije za </a:t>
+            </a:r>
+            <a:r>
+              <a:rPr lang="sl-SI" dirty="0" smtClean="0"/>
+              <a:t>razli</a:t>
+            </a:r>
+            <a:r>
+              <a:rPr lang="sl-SI" dirty="0"/>
+              <a:t>č</a:t>
+            </a:r>
+            <a:r>
+              <a:rPr lang="sl-SI" dirty="0" smtClean="0"/>
+              <a:t>ne </a:t>
+            </a:r>
+            <a:r>
+              <a:rPr lang="sl-SI" dirty="0"/>
+              <a:t>oblike deformacije, zgolj s </a:t>
+            </a:r>
+            <a:r>
+              <a:rPr lang="sl-SI" dirty="0" smtClean="0"/>
+              <a:t>pomo</a:t>
+            </a:r>
+            <a:r>
+              <a:rPr lang="sl-SI" dirty="0"/>
+              <a:t>č</a:t>
+            </a:r>
+            <a:r>
+              <a:rPr lang="sl-SI" dirty="0" smtClean="0"/>
+              <a:t>jo </a:t>
+            </a:r>
+            <a:r>
+              <a:rPr lang="sl-SI" dirty="0"/>
+              <a:t>podatkov ene </a:t>
+            </a:r>
+            <a:r>
+              <a:rPr lang="sl-SI" dirty="0" smtClean="0"/>
+              <a:t>oblike deformacije</a:t>
+            </a:r>
+            <a:endParaRPr lang="sl-SI" dirty="0" smtClean="0"/>
+          </a:p>
+        </p:txBody>
+      </p:sp>
+      <p:pic>
+        <p:nvPicPr>
+          <p:cNvPr id="6" name="Slika 5"/>
+          <p:cNvPicPr>
+            <a:picLocks noChangeAspect="1"/>
+          </p:cNvPicPr>
+          <p:nvPr/>
+        </p:nvPicPr>
+        <p:blipFill>
+          <a:blip r:embed="rId2">
+            <a:extLst>
+              <a:ext uri="{28A0092B-C50C-407E-A947-70E740481C1C}">
+                <a14:useLocalDpi xmlns:a14="http://schemas.microsoft.com/office/drawing/2010/main" val="0"/>
+              </a:ext>
+            </a:extLst>
+          </a:blip>
+          <a:stretch>
+            <a:fillRect/>
+          </a:stretch>
+        </p:blipFill>
+        <p:spPr>
+          <a:xfrm>
+            <a:off x="2517379" y="2465865"/>
+            <a:ext cx="6890539" cy="1657454"/>
+          </a:xfrm>
+          <a:prstGeom prst="rect">
+            <a:avLst/>
+          </a:prstGeom>
+        </p:spPr>
+      </p:pic>
+    </p:spTree>
+    <p:extLst>
+      <p:ext uri="{BB962C8B-B14F-4D97-AF65-F5344CB8AC3E}">
+        <p14:creationId xmlns:p14="http://schemas.microsoft.com/office/powerpoint/2010/main" val="2280475844"/>
+      </p:ext>
+    </p:extLst>
+  </p:cSld>
+  <p:clrMapOvr>
+    <a:masterClrMapping/>
+  </p:clrMapOvr>
+  <p:timing>
+    <p:tnLst>
+      <p:par>
+        <p:cTn id="1" dur="indefinite" restart="never" nodeType="tmRoot"/>
+      </p:par>
+    </p:tnLst>
+  </p:timing>
+</p:sld>
+</file>
+
+<file path=ppt/slides/slide19.xml><?xml version="1.0" encoding="utf-8"?>
+<p:sld xmlns:a="http://schemas.openxmlformats.org/drawingml/2006/main" xmlns:r="http://schemas.openxmlformats.org/officeDocument/2006/relationships" xmlns:p="http://schemas.openxmlformats.org/presentationml/2006/main">
+  <p:cSld>
+    <p:spTree>
+      <p:nvGrpSpPr>
+        <p:cNvPr id="1" name=""/>
+        <p:cNvGrpSpPr/>
+        <p:nvPr/>
+      </p:nvGrpSpPr>
+      <p:grpSpPr>
+        <a:xfrm>
+          <a:off x="0" y="0"/>
+          <a:ext cx="0" cy="0"/>
+          <a:chOff x="0" y="0"/>
+          <a:chExt cx="0" cy="0"/>
+        </a:xfrm>
+      </p:grpSpPr>
+      <p:sp>
+        <p:nvSpPr>
+          <p:cNvPr id="2" name="Naslov 1"/>
+          <p:cNvSpPr>
+            <a:spLocks noGrp="1"/>
+          </p:cNvSpPr>
+          <p:nvPr>
+            <p:ph type="title"/>
+          </p:nvPr>
+        </p:nvSpPr>
+        <p:spPr/>
+        <p:txBody>
+          <a:bodyPr/>
+          <a:lstStyle/>
+          <a:p>
+            <a:endParaRPr lang="sl-SI"/>
+          </a:p>
+        </p:txBody>
+      </p:sp>
+      <p:pic>
+        <p:nvPicPr>
+          <p:cNvPr id="4" name="Označba mesta vsebine 3"/>
+          <p:cNvPicPr>
+            <a:picLocks noGrp="1" noChangeAspect="1"/>
+          </p:cNvPicPr>
+          <p:nvPr>
+            <p:ph idx="1"/>
+          </p:nvPr>
+        </p:nvPicPr>
+        <p:blipFill>
+          <a:blip r:embed="rId2">
+            <a:extLst>
+              <a:ext uri="{28A0092B-C50C-407E-A947-70E740481C1C}">
+                <a14:useLocalDpi xmlns:a14="http://schemas.microsoft.com/office/drawing/2010/main" val="0"/>
+              </a:ext>
+            </a:extLst>
+          </a:blip>
+          <a:stretch>
+            <a:fillRect/>
+          </a:stretch>
+        </p:blipFill>
+        <p:spPr>
+          <a:xfrm>
+            <a:off x="625402" y="656823"/>
+            <a:ext cx="10630734" cy="5589431"/>
+          </a:xfrm>
+        </p:spPr>
+      </p:pic>
+    </p:spTree>
+    <p:extLst>
+      <p:ext uri="{BB962C8B-B14F-4D97-AF65-F5344CB8AC3E}">
+        <p14:creationId xmlns:p14="http://schemas.microsoft.com/office/powerpoint/2010/main" val="1931569157"/>
+      </p:ext>
+    </p:extLst>
+  </p:cSld>
+  <p:clrMapOvr>
+    <a:masterClrMapping/>
+  </p:clrMapOvr>
+</p:sld>
+</file>
+
 <file path=ppt/slides/slide2.xml><?xml version="1.0" encoding="utf-8"?>
 <p:sld xmlns:a="http://schemas.openxmlformats.org/drawingml/2006/main" xmlns:r="http://schemas.openxmlformats.org/officeDocument/2006/relationships" xmlns:p="http://schemas.openxmlformats.org/presentationml/2006/main">
   <p:cSld>
@@ -7490,6 +7805,13 @@
   <p:clrMapOvr>
     <a:masterClrMapping/>
   </p:clrMapOvr>
+  <p:timing>
+    <p:tnLst>
+      <p:par>
+        <p:cTn id="1" dur="indefinite" restart="never" nodeType="tmRoot"/>
+      </p:par>
+    </p:tnLst>
+  </p:timing>
 </p:sld>
 </file>
 
@@ -7595,6 +7917,13 @@
   <p:clrMapOvr>
     <a:masterClrMapping/>
   </p:clrMapOvr>
+  <p:timing>
+    <p:tnLst>
+      <p:par>
+        <p:cTn id="1" dur="indefinite" restart="never" nodeType="tmRoot"/>
+      </p:par>
+    </p:tnLst>
+  </p:timing>
 </p:sld>
 </file>
 
@@ -7828,7 +8157,7 @@
         </p:blipFill>
         <p:spPr>
           <a:xfrm>
-            <a:off x="1760220" y="4762962"/>
+            <a:off x="1760220" y="4775841"/>
             <a:ext cx="8869678" cy="1364566"/>
           </a:xfrm>
           <a:prstGeom prst="rect">
@@ -8447,23 +8776,7 @@
           <a:p>
             <a:r>
               <a:rPr lang="sl-SI" dirty="0" smtClean="0"/>
-              <a:t>Kristalne vezi se tvorijo z </a:t>
-            </a:r>
-            <a:r>
-              <a:rPr lang="sl-SI" dirty="0" smtClean="0"/>
-              <a:t>razlogom</a:t>
-            </a:r>
-            <a:r>
-              <a:rPr lang="sl-SI" dirty="0" smtClean="0"/>
-              <a:t>, da povečujejo vezanost medija, da se </a:t>
-            </a:r>
-            <a:r>
-              <a:rPr lang="sl-SI" dirty="0" smtClean="0"/>
-              <a:t>ne </a:t>
-            </a:r>
-            <a:r>
-              <a:rPr lang="sl-SI" dirty="0" smtClean="0"/>
-              <a:t>pretrga</a:t>
+              <a:t>Kristalne vezi se tvorijo z razlogom, da povečujejo vezanost medija, da se ne pretrga</a:t>
             </a:r>
           </a:p>
           <a:p>
@@ -8539,7 +8852,6 @@
               <a:rPr lang="sl-SI" dirty="0"/>
               <a:t>Odvisnost taljenja od temperature</a:t>
             </a:r>
-            <a:endParaRPr lang="sl-SI" dirty="0"/>
           </a:p>
         </p:txBody>
       </p:sp>
@@ -8599,10 +8911,6 @@
             <a:r>
               <a:rPr lang="sl-SI" dirty="0" smtClean="0"/>
               <a:t>Silo pa bi lahko ocenili z izračunom energijskega dela proti elastičnemu.</a:t>
-            </a:r>
-            <a:r>
-              <a:rPr lang="sl-SI" dirty="0" smtClean="0"/>
-              <a:t/>
             </a:r>
             <a:br>
               <a:rPr lang="sl-SI" dirty="0" smtClean="0"/>
@@ -8942,6 +9250,13 @@
   <p:clrMapOvr>
     <a:masterClrMapping/>
   </p:clrMapOvr>
+  <p:timing>
+    <p:tnLst>
+      <p:par>
+        <p:cTn id="1" dur="indefinite" restart="never" nodeType="tmRoot"/>
+      </p:par>
+    </p:tnLst>
+  </p:timing>
 </p:sld>
 </file>
 

--- a/1. Magisterij/Fizika mehke snovi/Raztezost gume in Mooney Rivlilov model.pptx
+++ b/1. Magisterij/Fizika mehke snovi/Raztezost gume in Mooney Rivlilov model.pptx
@@ -461,7 +461,7 @@
           <a:p>
             <a:fld id="{83284890-85D2-4D7B-8EF5-15A9C1DB8F42}" type="datetimeFigureOut">
               <a:rPr lang="en-US" smtClean="0"/>
-              <a:t>1/12/2022</a:t>
+              <a:t>1/14/2022</a:t>
             </a:fld>
             <a:endParaRPr lang="en-US" dirty="0"/>
           </a:p>
@@ -786,7 +786,7 @@
           <a:p>
             <a:fld id="{8664C608-40B1-4030-A28D-5B74BC98ADCE}" type="datetimeFigureOut">
               <a:rPr lang="en-US" smtClean="0"/>
-              <a:t>1/12/2022</a:t>
+              <a:t>1/14/2022</a:t>
             </a:fld>
             <a:endParaRPr lang="en-US" dirty="0"/>
           </a:p>
@@ -1036,7 +1036,7 @@
           <a:p>
             <a:fld id="{8664C608-40B1-4030-A28D-5B74BC98ADCE}" type="datetimeFigureOut">
               <a:rPr lang="en-US" smtClean="0"/>
-              <a:t>1/12/2022</a:t>
+              <a:t>1/14/2022</a:t>
             </a:fld>
             <a:endParaRPr lang="en-US" dirty="0"/>
           </a:p>
@@ -1377,7 +1377,7 @@
           <a:p>
             <a:fld id="{8664C608-40B1-4030-A28D-5B74BC98ADCE}" type="datetimeFigureOut">
               <a:rPr lang="en-US" smtClean="0"/>
-              <a:t>1/12/2022</a:t>
+              <a:t>1/14/2022</a:t>
             </a:fld>
             <a:endParaRPr lang="en-US" dirty="0"/>
           </a:p>
@@ -1726,7 +1726,7 @@
           <a:p>
             <a:fld id="{8664C608-40B1-4030-A28D-5B74BC98ADCE}" type="datetimeFigureOut">
               <a:rPr lang="en-US" smtClean="0"/>
-              <a:t>1/12/2022</a:t>
+              <a:t>1/14/2022</a:t>
             </a:fld>
             <a:endParaRPr lang="en-US" dirty="0"/>
           </a:p>
@@ -2102,7 +2102,7 @@
           <a:p>
             <a:fld id="{8664C608-40B1-4030-A28D-5B74BC98ADCE}" type="datetimeFigureOut">
               <a:rPr lang="en-US" smtClean="0"/>
-              <a:t>1/12/2022</a:t>
+              <a:t>1/14/2022</a:t>
             </a:fld>
             <a:endParaRPr lang="en-US" dirty="0"/>
           </a:p>
@@ -2574,7 +2574,7 @@
           <a:p>
             <a:fld id="{8664C608-40B1-4030-A28D-5B74BC98ADCE}" type="datetimeFigureOut">
               <a:rPr lang="en-US" smtClean="0"/>
-              <a:t>1/12/2022</a:t>
+              <a:t>1/14/2022</a:t>
             </a:fld>
             <a:endParaRPr lang="en-US" dirty="0"/>
           </a:p>
@@ -2781,7 +2781,7 @@
           <a:p>
             <a:fld id="{87157CC2-0FC8-4686-B024-99790E0F5162}" type="datetimeFigureOut">
               <a:rPr lang="en-US" smtClean="0"/>
-              <a:t>1/12/2022</a:t>
+              <a:t>1/14/2022</a:t>
             </a:fld>
             <a:endParaRPr lang="en-US" dirty="0"/>
           </a:p>
@@ -2992,7 +2992,7 @@
           <a:p>
             <a:fld id="{F6764DA5-CD3D-4590-A511-FCD3BC7A793E}" type="datetimeFigureOut">
               <a:rPr lang="en-US" smtClean="0"/>
-              <a:t>1/12/2022</a:t>
+              <a:t>1/14/2022</a:t>
             </a:fld>
             <a:endParaRPr lang="en-US" dirty="0"/>
           </a:p>
@@ -3224,7 +3224,7 @@
           <a:p>
             <a:fld id="{82F5661D-6934-4B32-B92C-470368BF1EC6}" type="datetimeFigureOut">
               <a:rPr lang="en-US" smtClean="0"/>
-              <a:t>1/12/2022</a:t>
+              <a:t>1/14/2022</a:t>
             </a:fld>
             <a:endParaRPr lang="en-US" dirty="0"/>
           </a:p>
@@ -3472,7 +3472,7 @@
           <a:p>
             <a:fld id="{C6F822A4-8DA6-4447-9B1F-C5DB58435268}" type="datetimeFigureOut">
               <a:rPr lang="en-US" smtClean="0"/>
-              <a:t>1/12/2022</a:t>
+              <a:t>1/14/2022</a:t>
             </a:fld>
             <a:endParaRPr lang="en-US" dirty="0"/>
           </a:p>
@@ -3771,7 +3771,7 @@
           <a:p>
             <a:fld id="{E548D31E-DCDA-41A7-9C67-C4B11B94D21D}" type="datetimeFigureOut">
               <a:rPr lang="en-US" smtClean="0"/>
-              <a:t>1/12/2022</a:t>
+              <a:t>1/14/2022</a:t>
             </a:fld>
             <a:endParaRPr lang="en-US" dirty="0"/>
           </a:p>
@@ -4165,7 +4165,7 @@
           <a:p>
             <a:fld id="{9B3762C0-B258-48F1-ADE6-176B4174CCDD}" type="datetimeFigureOut">
               <a:rPr lang="en-US" smtClean="0"/>
-              <a:t>1/12/2022</a:t>
+              <a:t>1/14/2022</a:t>
             </a:fld>
             <a:endParaRPr lang="en-US" dirty="0"/>
           </a:p>
@@ -4314,7 +4314,7 @@
           <a:p>
             <a:fld id="{677919A6-33EB-49BD-A62F-1FA56B9F9712}" type="datetimeFigureOut">
               <a:rPr lang="en-US" smtClean="0"/>
-              <a:t>1/12/2022</a:t>
+              <a:t>1/14/2022</a:t>
             </a:fld>
             <a:endParaRPr lang="en-US" dirty="0"/>
           </a:p>
@@ -4440,7 +4440,7 @@
           <a:p>
             <a:fld id="{CA4E7D1B-D673-4CF6-8672-009D42ABD2A0}" type="datetimeFigureOut">
               <a:rPr lang="en-US" smtClean="0"/>
-              <a:t>1/12/2022</a:t>
+              <a:t>1/14/2022</a:t>
             </a:fld>
             <a:endParaRPr lang="en-US" dirty="0"/>
           </a:p>
@@ -4695,7 +4695,7 @@
           <a:p>
             <a:fld id="{8664C608-40B1-4030-A28D-5B74BC98ADCE}" type="datetimeFigureOut">
               <a:rPr lang="en-US" smtClean="0"/>
-              <a:t>1/12/2022</a:t>
+              <a:t>1/14/2022</a:t>
             </a:fld>
             <a:endParaRPr lang="en-US" dirty="0"/>
           </a:p>
@@ -5012,7 +5012,7 @@
           <a:p>
             <a:fld id="{3772C379-9A7C-4C87-A116-CBE9F58B04C5}" type="datetimeFigureOut">
               <a:rPr lang="en-US" smtClean="0"/>
-              <a:t>1/12/2022</a:t>
+              <a:t>1/14/2022</a:t>
             </a:fld>
             <a:endParaRPr lang="en-US" dirty="0"/>
           </a:p>
@@ -5363,7 +5363,7 @@
           <a:p>
             <a:fld id="{8664C608-40B1-4030-A28D-5B74BC98ADCE}" type="datetimeFigureOut">
               <a:rPr lang="en-US" smtClean="0"/>
-              <a:t>1/12/2022</a:t>
+              <a:t>1/14/2022</a:t>
             </a:fld>
             <a:endParaRPr lang="en-US" dirty="0"/>
           </a:p>
@@ -5940,12 +5940,32 @@
               <a:t> in Mooney </a:t>
             </a:r>
             <a:r>
-              <a:rPr lang="en-US" sz="4800" dirty="0" err="1"/>
-              <a:t>Rivlilov</a:t>
+              <a:rPr lang="en-US" sz="4800" dirty="0" err="1" smtClean="0"/>
+              <a:t>Riv</a:t>
+            </a:r>
+            <a:r>
+              <a:rPr lang="sl-SI" sz="4800" dirty="0" smtClean="0"/>
+              <a:t>l</a:t>
+            </a:r>
+            <a:r>
+              <a:rPr lang="en-US" sz="4800" dirty="0" err="1" smtClean="0"/>
+              <a:t>i</a:t>
+            </a:r>
+            <a:r>
+              <a:rPr lang="sl-SI" sz="4800" dirty="0" smtClean="0"/>
+              <a:t>n</a:t>
+            </a:r>
+            <a:r>
+              <a:rPr lang="en-US" sz="4800" dirty="0" err="1" smtClean="0"/>
+              <a:t>ov</a:t>
+            </a:r>
+            <a:r>
+              <a:rPr lang="en-US" sz="4800" dirty="0" smtClean="0"/>
+              <a:t> </a:t>
             </a:r>
             <a:r>
               <a:rPr lang="en-US" sz="4800" dirty="0"/>
-              <a:t> model</a:t>
+              <a:t>model</a:t>
             </a:r>
             <a:endParaRPr lang="sl-SI" sz="4800" dirty="0"/>
           </a:p>
@@ -7449,15 +7469,7 @@
           <a:p>
             <a:r>
               <a:rPr lang="sl-SI" b="1" dirty="0" smtClean="0"/>
-              <a:t>YEOH MODEL</a:t>
-            </a:r>
-            <a:r>
-              <a:rPr lang="sl-SI" b="1" dirty="0" smtClean="0"/>
-              <a:t>:</a:t>
-            </a:r>
-            <a:r>
-              <a:rPr lang="sl-SI" b="1" dirty="0" smtClean="0"/>
-              <a:t>	</a:t>
+              <a:t>YEOH MODEL:	</a:t>
             </a:r>
             <a:r>
               <a:rPr lang="sl-SI" dirty="0"/>
@@ -7487,10 +7499,6 @@
               <a:rPr lang="sl-SI" dirty="0" smtClean="0"/>
               <a:t>.</a:t>
             </a:r>
-            <a:r>
-              <a:rPr lang="sl-SI" dirty="0" smtClean="0"/>
-              <a:t/>
-            </a:r>
             <a:br>
               <a:rPr lang="sl-SI" dirty="0" smtClean="0"/>
             </a:br>
@@ -7565,7 +7573,6 @@
               <a:rPr lang="sl-SI" dirty="0" smtClean="0"/>
               <a:t>oblike deformacije</a:t>
             </a:r>
-            <a:endParaRPr lang="sl-SI" dirty="0" smtClean="0"/>
           </a:p>
         </p:txBody>
       </p:sp>
